--- a/Presentation.pptx
+++ b/Presentation.pptx
@@ -17,7 +17,10 @@
     <p:sldId id="265" r:id="rId11"/>
     <p:sldId id="267" r:id="rId12"/>
     <p:sldId id="268" r:id="rId13"/>
-    <p:sldId id="266" r:id="rId14"/>
+    <p:sldId id="269" r:id="rId14"/>
+    <p:sldId id="271" r:id="rId15"/>
+    <p:sldId id="272" r:id="rId16"/>
+    <p:sldId id="266" r:id="rId17"/>
   </p:sldIdLst>
   <p:sldSz cx="12192000" cy="6858000"/>
   <p:notesSz cx="6858000" cy="9144000"/>
@@ -116,6 +119,11 @@
       </a:defRPr>
     </a:lvl9pPr>
   </p:defaultTextStyle>
+  <p:extLst>
+    <p:ext uri="{EFAFB233-063F-42B5-8137-9DF3F51BA10A}">
+      <p15:sldGuideLst xmlns:p15="http://schemas.microsoft.com/office/powerpoint/2012/main"/>
+    </p:ext>
+  </p:extLst>
 </p:presentation>
 </file>
 
@@ -21062,6 +21070,342 @@
           <a:p>
             <a:pPr algn="ctr"/>
             <a:r>
+              <a:rPr lang="en-US" dirty="0" smtClean="0"/>
+              <a:t>Credit scoring job</a:t>
+            </a:r>
+            <a:endParaRPr lang="en-ZW" dirty="0"/>
+          </a:p>
+        </p:txBody>
+      </p:sp>
+      <p:pic>
+        <p:nvPicPr>
+          <p:cNvPr id="4" name="Content Placeholder 3"/>
+          <p:cNvPicPr>
+            <a:picLocks noGrp="1" noChangeAspect="1"/>
+          </p:cNvPicPr>
+          <p:nvPr>
+            <p:ph idx="1"/>
+          </p:nvPr>
+        </p:nvPicPr>
+        <p:blipFill>
+          <a:blip r:embed="rId2"/>
+          <a:stretch>
+            <a:fillRect/>
+          </a:stretch>
+        </p:blipFill>
+        <p:spPr>
+          <a:xfrm>
+            <a:off x="1024128" y="2231136"/>
+            <a:ext cx="4133088" cy="4471416"/>
+          </a:xfrm>
+          <a:prstGeom prst="rect">
+            <a:avLst/>
+          </a:prstGeom>
+        </p:spPr>
+      </p:pic>
+      <p:pic>
+        <p:nvPicPr>
+          <p:cNvPr id="5" name="Picture 4"/>
+          <p:cNvPicPr>
+            <a:picLocks noChangeAspect="1"/>
+          </p:cNvPicPr>
+          <p:nvPr/>
+        </p:nvPicPr>
+        <p:blipFill>
+          <a:blip r:embed="rId3"/>
+          <a:stretch>
+            <a:fillRect/>
+          </a:stretch>
+        </p:blipFill>
+        <p:spPr>
+          <a:xfrm>
+            <a:off x="5884164" y="2231136"/>
+            <a:ext cx="4763165" cy="3057952"/>
+          </a:xfrm>
+          <a:prstGeom prst="rect">
+            <a:avLst/>
+          </a:prstGeom>
+        </p:spPr>
+      </p:pic>
+      <p:pic>
+        <p:nvPicPr>
+          <p:cNvPr id="6" name="Picture 5"/>
+          <p:cNvPicPr>
+            <a:picLocks noChangeAspect="1"/>
+          </p:cNvPicPr>
+          <p:nvPr/>
+        </p:nvPicPr>
+        <p:blipFill>
+          <a:blip r:embed="rId4"/>
+          <a:stretch>
+            <a:fillRect/>
+          </a:stretch>
+        </p:blipFill>
+        <p:spPr>
+          <a:xfrm>
+            <a:off x="5855585" y="5368866"/>
+            <a:ext cx="4791744" cy="1333686"/>
+          </a:xfrm>
+          <a:prstGeom prst="rect">
+            <a:avLst/>
+          </a:prstGeom>
+        </p:spPr>
+      </p:pic>
+    </p:spTree>
+    <p:extLst>
+      <p:ext uri="{BB962C8B-B14F-4D97-AF65-F5344CB8AC3E}">
+        <p14:creationId xmlns:p14="http://schemas.microsoft.com/office/powerpoint/2010/main" val="4209270014"/>
+      </p:ext>
+    </p:extLst>
+  </p:cSld>
+  <p:clrMapOvr>
+    <a:masterClrMapping/>
+  </p:clrMapOvr>
+</p:sld>
+</file>
+
+<file path=ppt/slides/slide14.xml><?xml version="1.0" encoding="utf-8"?>
+<p:sld xmlns:a="http://schemas.openxmlformats.org/drawingml/2006/main" xmlns:r="http://schemas.openxmlformats.org/officeDocument/2006/relationships" xmlns:p="http://schemas.openxmlformats.org/presentationml/2006/main">
+  <p:cSld>
+    <p:spTree>
+      <p:nvGrpSpPr>
+        <p:cNvPr id="1" name=""/>
+        <p:cNvGrpSpPr/>
+        <p:nvPr/>
+      </p:nvGrpSpPr>
+      <p:grpSpPr>
+        <a:xfrm>
+          <a:off x="0" y="0"/>
+          <a:ext cx="0" cy="0"/>
+          <a:chOff x="0" y="0"/>
+          <a:chExt cx="0" cy="0"/>
+        </a:xfrm>
+      </p:grpSpPr>
+      <p:sp>
+        <p:nvSpPr>
+          <p:cNvPr id="2" name="Title 1"/>
+          <p:cNvSpPr>
+            <a:spLocks noGrp="1"/>
+          </p:cNvSpPr>
+          <p:nvPr>
+            <p:ph type="title"/>
+          </p:nvPr>
+        </p:nvSpPr>
+        <p:spPr/>
+        <p:txBody>
+          <a:bodyPr/>
+          <a:lstStyle/>
+          <a:p>
+            <a:pPr algn="ctr"/>
+            <a:r>
+              <a:rPr lang="en-US" dirty="0" smtClean="0"/>
+              <a:t>MONGODB.Js</a:t>
+            </a:r>
+            <a:endParaRPr lang="en-ZW" dirty="0"/>
+          </a:p>
+        </p:txBody>
+      </p:sp>
+      <p:pic>
+        <p:nvPicPr>
+          <p:cNvPr id="4" name="Content Placeholder 3"/>
+          <p:cNvPicPr>
+            <a:picLocks noGrp="1" noChangeAspect="1"/>
+          </p:cNvPicPr>
+          <p:nvPr>
+            <p:ph idx="1"/>
+          </p:nvPr>
+        </p:nvPicPr>
+        <p:blipFill>
+          <a:blip r:embed="rId2"/>
+          <a:stretch>
+            <a:fillRect/>
+          </a:stretch>
+        </p:blipFill>
+        <p:spPr>
+          <a:xfrm>
+            <a:off x="1041356" y="2267712"/>
+            <a:ext cx="4842808" cy="4022725"/>
+          </a:xfrm>
+          <a:prstGeom prst="rect">
+            <a:avLst/>
+          </a:prstGeom>
+        </p:spPr>
+      </p:pic>
+      <p:pic>
+        <p:nvPicPr>
+          <p:cNvPr id="5" name="Picture 4"/>
+          <p:cNvPicPr>
+            <a:picLocks noChangeAspect="1"/>
+          </p:cNvPicPr>
+          <p:nvPr/>
+        </p:nvPicPr>
+        <p:blipFill>
+          <a:blip r:embed="rId3"/>
+          <a:stretch>
+            <a:fillRect/>
+          </a:stretch>
+        </p:blipFill>
+        <p:spPr>
+          <a:xfrm>
+            <a:off x="6056986" y="2267712"/>
+            <a:ext cx="4687214" cy="1352739"/>
+          </a:xfrm>
+          <a:prstGeom prst="rect">
+            <a:avLst/>
+          </a:prstGeom>
+        </p:spPr>
+      </p:pic>
+    </p:spTree>
+    <p:extLst>
+      <p:ext uri="{BB962C8B-B14F-4D97-AF65-F5344CB8AC3E}">
+        <p14:creationId xmlns:p14="http://schemas.microsoft.com/office/powerpoint/2010/main" val="489090667"/>
+      </p:ext>
+    </p:extLst>
+  </p:cSld>
+  <p:clrMapOvr>
+    <a:masterClrMapping/>
+  </p:clrMapOvr>
+</p:sld>
+</file>
+
+<file path=ppt/slides/slide15.xml><?xml version="1.0" encoding="utf-8"?>
+<p:sld xmlns:a="http://schemas.openxmlformats.org/drawingml/2006/main" xmlns:r="http://schemas.openxmlformats.org/officeDocument/2006/relationships" xmlns:p="http://schemas.openxmlformats.org/presentationml/2006/main">
+  <p:cSld>
+    <p:spTree>
+      <p:nvGrpSpPr>
+        <p:cNvPr id="1" name=""/>
+        <p:cNvGrpSpPr/>
+        <p:nvPr/>
+      </p:nvGrpSpPr>
+      <p:grpSpPr>
+        <a:xfrm>
+          <a:off x="0" y="0"/>
+          <a:ext cx="0" cy="0"/>
+          <a:chOff x="0" y="0"/>
+          <a:chExt cx="0" cy="0"/>
+        </a:xfrm>
+      </p:grpSpPr>
+      <p:sp>
+        <p:nvSpPr>
+          <p:cNvPr id="2" name="Title 1"/>
+          <p:cNvSpPr>
+            <a:spLocks noGrp="1"/>
+          </p:cNvSpPr>
+          <p:nvPr>
+            <p:ph type="title"/>
+          </p:nvPr>
+        </p:nvSpPr>
+        <p:spPr/>
+        <p:txBody>
+          <a:bodyPr/>
+          <a:lstStyle/>
+          <a:p>
+            <a:pPr algn="ctr"/>
+            <a:r>
+              <a:rPr lang="en-US" dirty="0" smtClean="0"/>
+              <a:t>PROMETHEUS.YML</a:t>
+            </a:r>
+            <a:endParaRPr lang="en-ZW" dirty="0"/>
+          </a:p>
+        </p:txBody>
+      </p:sp>
+      <p:pic>
+        <p:nvPicPr>
+          <p:cNvPr id="4" name="Content Placeholder 3"/>
+          <p:cNvPicPr>
+            <a:picLocks noGrp="1" noChangeAspect="1"/>
+          </p:cNvPicPr>
+          <p:nvPr>
+            <p:ph idx="1"/>
+          </p:nvPr>
+        </p:nvPicPr>
+        <p:blipFill>
+          <a:blip r:embed="rId2"/>
+          <a:stretch>
+            <a:fillRect/>
+          </a:stretch>
+        </p:blipFill>
+        <p:spPr>
+          <a:xfrm>
+            <a:off x="1024128" y="2340864"/>
+            <a:ext cx="4078224" cy="4416552"/>
+          </a:xfrm>
+          <a:prstGeom prst="rect">
+            <a:avLst/>
+          </a:prstGeom>
+        </p:spPr>
+      </p:pic>
+      <p:pic>
+        <p:nvPicPr>
+          <p:cNvPr id="5" name="Picture 4"/>
+          <p:cNvPicPr>
+            <a:picLocks noChangeAspect="1"/>
+          </p:cNvPicPr>
+          <p:nvPr/>
+        </p:nvPicPr>
+        <p:blipFill>
+          <a:blip r:embed="rId3"/>
+          <a:stretch>
+            <a:fillRect/>
+          </a:stretch>
+        </p:blipFill>
+        <p:spPr>
+          <a:xfrm>
+            <a:off x="5286006" y="2340864"/>
+            <a:ext cx="5458194" cy="1344168"/>
+          </a:xfrm>
+          <a:prstGeom prst="rect">
+            <a:avLst/>
+          </a:prstGeom>
+        </p:spPr>
+      </p:pic>
+    </p:spTree>
+    <p:extLst>
+      <p:ext uri="{BB962C8B-B14F-4D97-AF65-F5344CB8AC3E}">
+        <p14:creationId xmlns:p14="http://schemas.microsoft.com/office/powerpoint/2010/main" val="2464556177"/>
+      </p:ext>
+    </p:extLst>
+  </p:cSld>
+  <p:clrMapOvr>
+    <a:masterClrMapping/>
+  </p:clrMapOvr>
+</p:sld>
+</file>
+
+<file path=ppt/slides/slide16.xml><?xml version="1.0" encoding="utf-8"?>
+<p:sld xmlns:a="http://schemas.openxmlformats.org/drawingml/2006/main" xmlns:r="http://schemas.openxmlformats.org/officeDocument/2006/relationships" xmlns:p="http://schemas.openxmlformats.org/presentationml/2006/main">
+  <p:cSld>
+    <p:spTree>
+      <p:nvGrpSpPr>
+        <p:cNvPr id="1" name=""/>
+        <p:cNvGrpSpPr/>
+        <p:nvPr/>
+      </p:nvGrpSpPr>
+      <p:grpSpPr>
+        <a:xfrm>
+          <a:off x="0" y="0"/>
+          <a:ext cx="0" cy="0"/>
+          <a:chOff x="0" y="0"/>
+          <a:chExt cx="0" cy="0"/>
+        </a:xfrm>
+      </p:grpSpPr>
+      <p:sp>
+        <p:nvSpPr>
+          <p:cNvPr id="2" name="Title 1"/>
+          <p:cNvSpPr>
+            <a:spLocks noGrp="1"/>
+          </p:cNvSpPr>
+          <p:nvPr>
+            <p:ph type="title"/>
+          </p:nvPr>
+        </p:nvSpPr>
+        <p:spPr/>
+        <p:txBody>
+          <a:bodyPr/>
+          <a:lstStyle/>
+          <a:p>
+            <a:pPr algn="ctr"/>
+            <a:r>
               <a:rPr lang="en-ZW" dirty="0" smtClean="0"/>
               <a:t>THE END</a:t>
             </a:r>

--- a/Presentation.pptx
+++ b/Presentation.pptx
@@ -10,17 +10,21 @@
     <p:sldId id="258" r:id="rId4"/>
     <p:sldId id="259" r:id="rId5"/>
     <p:sldId id="260" r:id="rId6"/>
-    <p:sldId id="261" r:id="rId7"/>
-    <p:sldId id="262" r:id="rId8"/>
-    <p:sldId id="263" r:id="rId9"/>
-    <p:sldId id="264" r:id="rId10"/>
-    <p:sldId id="265" r:id="rId11"/>
-    <p:sldId id="267" r:id="rId12"/>
-    <p:sldId id="268" r:id="rId13"/>
-    <p:sldId id="269" r:id="rId14"/>
-    <p:sldId id="271" r:id="rId15"/>
-    <p:sldId id="272" r:id="rId16"/>
-    <p:sldId id="266" r:id="rId17"/>
+    <p:sldId id="276" r:id="rId7"/>
+    <p:sldId id="274" r:id="rId8"/>
+    <p:sldId id="273" r:id="rId9"/>
+    <p:sldId id="261" r:id="rId10"/>
+    <p:sldId id="262" r:id="rId11"/>
+    <p:sldId id="275" r:id="rId12"/>
+    <p:sldId id="263" r:id="rId13"/>
+    <p:sldId id="264" r:id="rId14"/>
+    <p:sldId id="265" r:id="rId15"/>
+    <p:sldId id="267" r:id="rId16"/>
+    <p:sldId id="268" r:id="rId17"/>
+    <p:sldId id="269" r:id="rId18"/>
+    <p:sldId id="271" r:id="rId19"/>
+    <p:sldId id="272" r:id="rId20"/>
+    <p:sldId id="266" r:id="rId21"/>
   </p:sldIdLst>
   <p:sldSz cx="12192000" cy="6858000"/>
   <p:notesSz cx="6858000" cy="9144000"/>
@@ -20724,6 +20728,676 @@
             <a:pPr algn="ctr"/>
             <a:r>
               <a:rPr lang="en-ZW" dirty="0"/>
+              <a:t>Data Quality </a:t>
+            </a:r>
+            <a:r>
+              <a:rPr lang="en-ZW" dirty="0" smtClean="0"/>
+              <a:t>Control</a:t>
+            </a:r>
+            <a:endParaRPr lang="en-ZW" dirty="0"/>
+          </a:p>
+        </p:txBody>
+      </p:sp>
+      <p:sp>
+        <p:nvSpPr>
+          <p:cNvPr id="3" name="Content Placeholder 2"/>
+          <p:cNvSpPr>
+            <a:spLocks noGrp="1"/>
+          </p:cNvSpPr>
+          <p:nvPr>
+            <p:ph idx="1"/>
+          </p:nvPr>
+        </p:nvSpPr>
+        <p:spPr>
+          <a:xfrm>
+            <a:off x="1024129" y="2286000"/>
+            <a:ext cx="4873752" cy="4023360"/>
+          </a:xfrm>
+        </p:spPr>
+        <p:txBody>
+          <a:bodyPr/>
+          <a:lstStyle/>
+          <a:p>
+            <a:pPr marL="457200" indent="-457200">
+              <a:buFont typeface="+mj-lt"/>
+              <a:buAutoNum type="arabicPeriod"/>
+            </a:pPr>
+            <a:r>
+              <a:rPr lang="en-ZW" dirty="0" smtClean="0"/>
+              <a:t>Schema validation on Kafka ingestion.</a:t>
+            </a:r>
+          </a:p>
+          <a:p>
+            <a:pPr marL="457200" indent="-457200">
+              <a:buFont typeface="+mj-lt"/>
+              <a:buAutoNum type="arabicPeriod"/>
+            </a:pPr>
+            <a:r>
+              <a:rPr lang="en-ZW" dirty="0" smtClean="0"/>
+              <a:t>Spark cleans and logs invalid records.</a:t>
+            </a:r>
+          </a:p>
+          <a:p>
+            <a:pPr marL="457200" indent="-457200">
+              <a:buFont typeface="+mj-lt"/>
+              <a:buAutoNum type="arabicPeriod"/>
+            </a:pPr>
+            <a:r>
+              <a:rPr lang="en-ZW" dirty="0" smtClean="0"/>
+              <a:t>Monitoring: </a:t>
+            </a:r>
+          </a:p>
+          <a:p>
+            <a:pPr marL="630936" lvl="1" indent="-457200">
+              <a:buFont typeface="Courier New" panose="02070309020205020404" pitchFamily="49" charset="0"/>
+              <a:buChar char="o"/>
+            </a:pPr>
+            <a:r>
+              <a:rPr lang="en-ZW" dirty="0" smtClean="0"/>
+              <a:t> Dropped messages .</a:t>
+            </a:r>
+          </a:p>
+          <a:p>
+            <a:pPr marL="630936" lvl="1" indent="-457200">
+              <a:buFont typeface="Courier New" panose="02070309020205020404" pitchFamily="49" charset="0"/>
+              <a:buChar char="o"/>
+            </a:pPr>
+            <a:r>
+              <a:rPr lang="en-ZW" dirty="0" smtClean="0"/>
+              <a:t> Fraud spikes.  </a:t>
+            </a:r>
+          </a:p>
+          <a:p>
+            <a:pPr marL="630936" lvl="1" indent="-457200">
+              <a:buFont typeface="Courier New" panose="02070309020205020404" pitchFamily="49" charset="0"/>
+              <a:buChar char="o"/>
+            </a:pPr>
+            <a:r>
+              <a:rPr lang="en-ZW" dirty="0" smtClean="0"/>
+              <a:t>Data inconsistencies.</a:t>
+            </a:r>
+          </a:p>
+          <a:p>
+            <a:pPr marL="457200" indent="-457200">
+              <a:buFont typeface="+mj-lt"/>
+              <a:buAutoNum type="arabicPeriod"/>
+            </a:pPr>
+            <a:r>
+              <a:rPr lang="en-ZW" dirty="0" smtClean="0"/>
+              <a:t>Alerts via Grafana thresholds</a:t>
+            </a:r>
+            <a:r>
+              <a:rPr lang="en-ZW" dirty="0" smtClean="0"/>
+              <a:t>.</a:t>
+            </a:r>
+          </a:p>
+          <a:p>
+            <a:pPr marL="457200" indent="-457200">
+              <a:buFont typeface="+mj-lt"/>
+              <a:buAutoNum type="arabicPeriod"/>
+            </a:pPr>
+            <a:endParaRPr lang="en-ZW" dirty="0"/>
+          </a:p>
+        </p:txBody>
+      </p:sp>
+      <p:pic>
+        <p:nvPicPr>
+          <p:cNvPr id="4" name="Picture 3"/>
+          <p:cNvPicPr>
+            <a:picLocks noChangeAspect="1"/>
+          </p:cNvPicPr>
+          <p:nvPr/>
+        </p:nvPicPr>
+        <p:blipFill>
+          <a:blip r:embed="rId2"/>
+          <a:stretch>
+            <a:fillRect/>
+          </a:stretch>
+        </p:blipFill>
+        <p:spPr>
+          <a:xfrm>
+            <a:off x="6205552" y="2286000"/>
+            <a:ext cx="5004992" cy="2999232"/>
+          </a:xfrm>
+          <a:prstGeom prst="rect">
+            <a:avLst/>
+          </a:prstGeom>
+        </p:spPr>
+      </p:pic>
+    </p:spTree>
+    <p:extLst>
+      <p:ext uri="{BB962C8B-B14F-4D97-AF65-F5344CB8AC3E}">
+        <p14:creationId xmlns:p14="http://schemas.microsoft.com/office/powerpoint/2010/main" val="2966092230"/>
+      </p:ext>
+    </p:extLst>
+  </p:cSld>
+  <p:clrMapOvr>
+    <a:masterClrMapping/>
+  </p:clrMapOvr>
+  <p:timing>
+    <p:tnLst>
+      <p:par>
+        <p:cTn id="1" dur="indefinite" restart="never" nodeType="tmRoot"/>
+      </p:par>
+    </p:tnLst>
+  </p:timing>
+</p:sld>
+</file>
+
+<file path=ppt/slides/slide11.xml><?xml version="1.0" encoding="utf-8"?>
+<p:sld xmlns:a="http://schemas.openxmlformats.org/drawingml/2006/main" xmlns:r="http://schemas.openxmlformats.org/officeDocument/2006/relationships" xmlns:p="http://schemas.openxmlformats.org/presentationml/2006/main">
+  <p:cSld>
+    <p:spTree>
+      <p:nvGrpSpPr>
+        <p:cNvPr id="1" name=""/>
+        <p:cNvGrpSpPr/>
+        <p:nvPr/>
+      </p:nvGrpSpPr>
+      <p:grpSpPr>
+        <a:xfrm>
+          <a:off x="0" y="0"/>
+          <a:ext cx="0" cy="0"/>
+          <a:chOff x="0" y="0"/>
+          <a:chExt cx="0" cy="0"/>
+        </a:xfrm>
+      </p:grpSpPr>
+      <p:sp>
+        <p:nvSpPr>
+          <p:cNvPr id="2" name="Title 1"/>
+          <p:cNvSpPr>
+            <a:spLocks noGrp="1"/>
+          </p:cNvSpPr>
+          <p:nvPr>
+            <p:ph type="title"/>
+          </p:nvPr>
+        </p:nvSpPr>
+        <p:spPr/>
+        <p:txBody>
+          <a:bodyPr/>
+          <a:lstStyle/>
+          <a:p>
+            <a:pPr algn="ctr"/>
+            <a:r>
+              <a:rPr lang="en-US" dirty="0" smtClean="0"/>
+              <a:t>Version control - git</a:t>
+            </a:r>
+            <a:endParaRPr lang="en-ZW" dirty="0"/>
+          </a:p>
+        </p:txBody>
+      </p:sp>
+      <p:sp>
+        <p:nvSpPr>
+          <p:cNvPr id="3" name="Content Placeholder 2"/>
+          <p:cNvSpPr>
+            <a:spLocks noGrp="1"/>
+          </p:cNvSpPr>
+          <p:nvPr>
+            <p:ph idx="1"/>
+          </p:nvPr>
+        </p:nvSpPr>
+        <p:spPr>
+          <a:xfrm>
+            <a:off x="1024129" y="2286000"/>
+            <a:ext cx="4782312" cy="4023360"/>
+          </a:xfrm>
+        </p:spPr>
+        <p:txBody>
+          <a:bodyPr/>
+          <a:lstStyle/>
+          <a:p>
+            <a:pPr marL="457200" indent="-457200">
+              <a:buFont typeface="+mj-lt"/>
+              <a:buAutoNum type="arabicPeriod"/>
+            </a:pPr>
+            <a:r>
+              <a:rPr lang="en-US" dirty="0" smtClean="0"/>
+              <a:t>Initialize </a:t>
+            </a:r>
+            <a:r>
+              <a:rPr lang="en-US" dirty="0"/>
+              <a:t>Git and connect to a remote repo </a:t>
+            </a:r>
+            <a:endParaRPr lang="en-US" dirty="0" smtClean="0"/>
+          </a:p>
+          <a:p>
+            <a:pPr marL="457200" indent="-457200">
+              <a:buFont typeface="+mj-lt"/>
+              <a:buAutoNum type="arabicPeriod"/>
+            </a:pPr>
+            <a:r>
+              <a:rPr lang="en-US" dirty="0" smtClean="0"/>
+              <a:t>Use </a:t>
+            </a:r>
+            <a:r>
+              <a:rPr lang="en-US" dirty="0"/>
+              <a:t>branches: main, dev, feature/*, bugfix/* </a:t>
+            </a:r>
+            <a:endParaRPr lang="en-US" dirty="0" smtClean="0"/>
+          </a:p>
+          <a:p>
+            <a:pPr marL="457200" indent="-457200">
+              <a:buFont typeface="+mj-lt"/>
+              <a:buAutoNum type="arabicPeriod"/>
+            </a:pPr>
+            <a:r>
+              <a:rPr lang="en-US" dirty="0" smtClean="0"/>
+              <a:t>Track </a:t>
+            </a:r>
+            <a:r>
+              <a:rPr lang="en-US" dirty="0"/>
+              <a:t>changes with git add, commit, push, </a:t>
+            </a:r>
+            <a:r>
+              <a:rPr lang="en-US" dirty="0" smtClean="0"/>
+              <a:t>merge</a:t>
+            </a:r>
+          </a:p>
+          <a:p>
+            <a:pPr marL="457200" indent="-457200">
+              <a:buFont typeface="+mj-lt"/>
+              <a:buAutoNum type="arabicPeriod"/>
+            </a:pPr>
+            <a:r>
+              <a:rPr lang="en-US" dirty="0" smtClean="0"/>
+              <a:t>Tag </a:t>
+            </a:r>
+            <a:r>
+              <a:rPr lang="en-US" dirty="0"/>
+              <a:t>versions (e.g., v1.0.0) for releases </a:t>
+            </a:r>
+            <a:endParaRPr lang="en-US" dirty="0" smtClean="0"/>
+          </a:p>
+          <a:p>
+            <a:pPr marL="457200" indent="-457200">
+              <a:buFont typeface="+mj-lt"/>
+              <a:buAutoNum type="arabicPeriod"/>
+            </a:pPr>
+            <a:r>
+              <a:rPr lang="en-US" dirty="0" smtClean="0"/>
+              <a:t>Helps </a:t>
+            </a:r>
+            <a:r>
+              <a:rPr lang="en-US" dirty="0"/>
+              <a:t>manage code history, collaboration, and rollback safely.</a:t>
+            </a:r>
+            <a:endParaRPr lang="en-ZW" dirty="0"/>
+          </a:p>
+        </p:txBody>
+      </p:sp>
+      <p:pic>
+        <p:nvPicPr>
+          <p:cNvPr id="4" name="Picture 3"/>
+          <p:cNvPicPr>
+            <a:picLocks noChangeAspect="1"/>
+          </p:cNvPicPr>
+          <p:nvPr/>
+        </p:nvPicPr>
+        <p:blipFill>
+          <a:blip r:embed="rId2"/>
+          <a:stretch>
+            <a:fillRect/>
+          </a:stretch>
+        </p:blipFill>
+        <p:spPr>
+          <a:xfrm>
+            <a:off x="6145925" y="2273335"/>
+            <a:ext cx="5258534" cy="4048690"/>
+          </a:xfrm>
+          <a:prstGeom prst="rect">
+            <a:avLst/>
+          </a:prstGeom>
+        </p:spPr>
+      </p:pic>
+    </p:spTree>
+    <p:extLst>
+      <p:ext uri="{BB962C8B-B14F-4D97-AF65-F5344CB8AC3E}">
+        <p14:creationId xmlns:p14="http://schemas.microsoft.com/office/powerpoint/2010/main" val="671936015"/>
+      </p:ext>
+    </p:extLst>
+  </p:cSld>
+  <p:clrMapOvr>
+    <a:masterClrMapping/>
+  </p:clrMapOvr>
+</p:sld>
+</file>
+
+<file path=ppt/slides/slide12.xml><?xml version="1.0" encoding="utf-8"?>
+<p:sld xmlns:a="http://schemas.openxmlformats.org/drawingml/2006/main" xmlns:r="http://schemas.openxmlformats.org/officeDocument/2006/relationships" xmlns:p="http://schemas.openxmlformats.org/presentationml/2006/main">
+  <p:cSld>
+    <p:spTree>
+      <p:nvGrpSpPr>
+        <p:cNvPr id="1" name=""/>
+        <p:cNvGrpSpPr/>
+        <p:nvPr/>
+      </p:nvGrpSpPr>
+      <p:grpSpPr>
+        <a:xfrm>
+          <a:off x="0" y="0"/>
+          <a:ext cx="0" cy="0"/>
+          <a:chOff x="0" y="0"/>
+          <a:chExt cx="0" cy="0"/>
+        </a:xfrm>
+      </p:grpSpPr>
+      <p:sp>
+        <p:nvSpPr>
+          <p:cNvPr id="2" name="Title 1"/>
+          <p:cNvSpPr>
+            <a:spLocks noGrp="1"/>
+          </p:cNvSpPr>
+          <p:nvPr>
+            <p:ph type="title"/>
+          </p:nvPr>
+        </p:nvSpPr>
+        <p:spPr/>
+        <p:txBody>
+          <a:bodyPr/>
+          <a:lstStyle/>
+          <a:p>
+            <a:pPr algn="ctr"/>
+            <a:r>
+              <a:rPr lang="en-US" dirty="0"/>
+              <a:t>Dashboards &amp; </a:t>
+            </a:r>
+            <a:r>
+              <a:rPr lang="en-US" dirty="0" smtClean="0"/>
+              <a:t>Monitoring</a:t>
+            </a:r>
+            <a:endParaRPr lang="en-ZW" dirty="0"/>
+          </a:p>
+        </p:txBody>
+      </p:sp>
+      <p:sp>
+        <p:nvSpPr>
+          <p:cNvPr id="3" name="Content Placeholder 2"/>
+          <p:cNvSpPr>
+            <a:spLocks noGrp="1"/>
+          </p:cNvSpPr>
+          <p:nvPr>
+            <p:ph idx="1"/>
+          </p:nvPr>
+        </p:nvSpPr>
+        <p:spPr/>
+        <p:txBody>
+          <a:bodyPr>
+            <a:normAutofit/>
+          </a:bodyPr>
+          <a:lstStyle/>
+          <a:p>
+            <a:pPr marL="457200" indent="-457200">
+              <a:buFont typeface="+mj-lt"/>
+              <a:buAutoNum type="arabicPeriod"/>
+            </a:pPr>
+            <a:r>
+              <a:rPr lang="en-US" b="1" dirty="0" smtClean="0"/>
+              <a:t>Power BI: </a:t>
+            </a:r>
+          </a:p>
+          <a:p>
+            <a:pPr lvl="1">
+              <a:buFont typeface="Courier New" panose="02070309020205020404" pitchFamily="49" charset="0"/>
+              <a:buChar char="o"/>
+            </a:pPr>
+            <a:r>
+              <a:rPr lang="en-US" dirty="0" smtClean="0"/>
+              <a:t>Real-time credit risk insights.</a:t>
+            </a:r>
+          </a:p>
+          <a:p>
+            <a:pPr lvl="1">
+              <a:buFont typeface="Courier New" panose="02070309020205020404" pitchFamily="49" charset="0"/>
+              <a:buChar char="o"/>
+            </a:pPr>
+            <a:r>
+              <a:rPr lang="en-US" dirty="0" smtClean="0"/>
+              <a:t>fraud distribution.</a:t>
+            </a:r>
+          </a:p>
+          <a:p>
+            <a:pPr lvl="1">
+              <a:buFont typeface="Courier New" panose="02070309020205020404" pitchFamily="49" charset="0"/>
+              <a:buChar char="o"/>
+            </a:pPr>
+            <a:r>
+              <a:rPr lang="en-US" dirty="0" smtClean="0"/>
+              <a:t>approval rates.</a:t>
+            </a:r>
+          </a:p>
+          <a:p>
+            <a:pPr marL="457200" indent="-457200">
+              <a:buFont typeface="+mj-lt"/>
+              <a:buAutoNum type="arabicPeriod"/>
+            </a:pPr>
+            <a:r>
+              <a:rPr lang="en-US" b="1" dirty="0" smtClean="0"/>
+              <a:t>Grafana: </a:t>
+            </a:r>
+          </a:p>
+          <a:p>
+            <a:pPr lvl="1">
+              <a:buFont typeface="Courier New" panose="02070309020205020404" pitchFamily="49" charset="0"/>
+              <a:buChar char="o"/>
+            </a:pPr>
+            <a:r>
+              <a:rPr lang="en-US" dirty="0" smtClean="0"/>
+              <a:t>Job health.</a:t>
+            </a:r>
+          </a:p>
+          <a:p>
+            <a:pPr lvl="1">
+              <a:buFont typeface="Courier New" panose="02070309020205020404" pitchFamily="49" charset="0"/>
+              <a:buChar char="o"/>
+            </a:pPr>
+            <a:r>
+              <a:rPr lang="en-US" dirty="0" smtClean="0"/>
+              <a:t>fraud volume.</a:t>
+            </a:r>
+          </a:p>
+          <a:p>
+            <a:pPr lvl="1">
+              <a:buFont typeface="Courier New" panose="02070309020205020404" pitchFamily="49" charset="0"/>
+              <a:buChar char="o"/>
+            </a:pPr>
+            <a:r>
+              <a:rPr lang="en-US" dirty="0" smtClean="0"/>
+              <a:t>message lag.</a:t>
+            </a:r>
+          </a:p>
+          <a:p>
+            <a:pPr marL="457200" indent="-457200">
+              <a:buFont typeface="+mj-lt"/>
+              <a:buAutoNum type="arabicPeriod"/>
+            </a:pPr>
+            <a:r>
+              <a:rPr lang="en-US" b="1" dirty="0" smtClean="0"/>
+              <a:t>Prometheus: </a:t>
+            </a:r>
+          </a:p>
+          <a:p>
+            <a:pPr lvl="1">
+              <a:buFont typeface="Courier New" panose="02070309020205020404" pitchFamily="49" charset="0"/>
+              <a:buChar char="o"/>
+            </a:pPr>
+            <a:r>
+              <a:rPr lang="en-US" dirty="0" smtClean="0"/>
+              <a:t>Monitors all processing pipelines.</a:t>
+            </a:r>
+            <a:endParaRPr lang="en-ZW" dirty="0"/>
+          </a:p>
+        </p:txBody>
+      </p:sp>
+    </p:spTree>
+    <p:extLst>
+      <p:ext uri="{BB962C8B-B14F-4D97-AF65-F5344CB8AC3E}">
+        <p14:creationId xmlns:p14="http://schemas.microsoft.com/office/powerpoint/2010/main" val="1331506039"/>
+      </p:ext>
+    </p:extLst>
+  </p:cSld>
+  <p:clrMapOvr>
+    <a:masterClrMapping/>
+  </p:clrMapOvr>
+  <p:timing>
+    <p:tnLst>
+      <p:par>
+        <p:cTn id="1" dur="indefinite" restart="never" nodeType="tmRoot"/>
+      </p:par>
+    </p:tnLst>
+  </p:timing>
+</p:sld>
+</file>
+
+<file path=ppt/slides/slide13.xml><?xml version="1.0" encoding="utf-8"?>
+<p:sld xmlns:a="http://schemas.openxmlformats.org/drawingml/2006/main" xmlns:r="http://schemas.openxmlformats.org/officeDocument/2006/relationships" xmlns:p="http://schemas.openxmlformats.org/presentationml/2006/main">
+  <p:cSld>
+    <p:spTree>
+      <p:nvGrpSpPr>
+        <p:cNvPr id="1" name=""/>
+        <p:cNvGrpSpPr/>
+        <p:nvPr/>
+      </p:nvGrpSpPr>
+      <p:grpSpPr>
+        <a:xfrm>
+          <a:off x="0" y="0"/>
+          <a:ext cx="0" cy="0"/>
+          <a:chOff x="0" y="0"/>
+          <a:chExt cx="0" cy="0"/>
+        </a:xfrm>
+      </p:grpSpPr>
+      <p:sp>
+        <p:nvSpPr>
+          <p:cNvPr id="2" name="Title 1"/>
+          <p:cNvSpPr>
+            <a:spLocks noGrp="1"/>
+          </p:cNvSpPr>
+          <p:nvPr>
+            <p:ph type="title"/>
+          </p:nvPr>
+        </p:nvSpPr>
+        <p:spPr/>
+        <p:txBody>
+          <a:bodyPr/>
+          <a:lstStyle/>
+          <a:p>
+            <a:pPr algn="ctr"/>
+            <a:r>
+              <a:rPr lang="en-US" dirty="0"/>
+              <a:t>Business Outcomes</a:t>
+            </a:r>
+            <a:endParaRPr lang="en-ZW" dirty="0"/>
+          </a:p>
+        </p:txBody>
+      </p:sp>
+      <p:sp>
+        <p:nvSpPr>
+          <p:cNvPr id="3" name="Content Placeholder 2"/>
+          <p:cNvSpPr>
+            <a:spLocks noGrp="1"/>
+          </p:cNvSpPr>
+          <p:nvPr>
+            <p:ph idx="1"/>
+          </p:nvPr>
+        </p:nvSpPr>
+        <p:spPr/>
+        <p:txBody>
+          <a:bodyPr/>
+          <a:lstStyle/>
+          <a:p>
+            <a:pPr marL="457200" indent="-457200">
+              <a:buFont typeface="+mj-lt"/>
+              <a:buAutoNum type="arabicPeriod"/>
+            </a:pPr>
+            <a:r>
+              <a:rPr lang="en-US" dirty="0" smtClean="0"/>
+              <a:t>Faster loan decisions with automated credit scoring.</a:t>
+            </a:r>
+          </a:p>
+          <a:p>
+            <a:pPr marL="457200" indent="-457200">
+              <a:buFont typeface="+mj-lt"/>
+              <a:buAutoNum type="arabicPeriod"/>
+            </a:pPr>
+            <a:r>
+              <a:rPr lang="en-US" dirty="0" smtClean="0"/>
+              <a:t>Real-time fraud detection reduces financial risk.</a:t>
+            </a:r>
+          </a:p>
+          <a:p>
+            <a:pPr marL="457200" indent="-457200">
+              <a:buFont typeface="+mj-lt"/>
+              <a:buAutoNum type="arabicPeriod"/>
+            </a:pPr>
+            <a:r>
+              <a:rPr lang="en-US" dirty="0" smtClean="0"/>
+              <a:t>Scalable and modular data platform.</a:t>
+            </a:r>
+          </a:p>
+          <a:p>
+            <a:pPr marL="457200" indent="-457200">
+              <a:buFont typeface="+mj-lt"/>
+              <a:buAutoNum type="arabicPeriod"/>
+            </a:pPr>
+            <a:r>
+              <a:rPr lang="en-US" dirty="0" smtClean="0"/>
+              <a:t>Accurate, real-time reporting to key stakeholders.</a:t>
+            </a:r>
+            <a:endParaRPr lang="en-ZW" dirty="0"/>
+          </a:p>
+        </p:txBody>
+      </p:sp>
+    </p:spTree>
+    <p:extLst>
+      <p:ext uri="{BB962C8B-B14F-4D97-AF65-F5344CB8AC3E}">
+        <p14:creationId xmlns:p14="http://schemas.microsoft.com/office/powerpoint/2010/main" val="3909203786"/>
+      </p:ext>
+    </p:extLst>
+  </p:cSld>
+  <p:clrMapOvr>
+    <a:masterClrMapping/>
+  </p:clrMapOvr>
+  <p:timing>
+    <p:tnLst>
+      <p:par>
+        <p:cTn id="1" dur="indefinite" restart="never" nodeType="tmRoot"/>
+      </p:par>
+    </p:tnLst>
+  </p:timing>
+</p:sld>
+</file>
+
+<file path=ppt/slides/slide14.xml><?xml version="1.0" encoding="utf-8"?>
+<p:sld xmlns:a="http://schemas.openxmlformats.org/drawingml/2006/main" xmlns:r="http://schemas.openxmlformats.org/officeDocument/2006/relationships" xmlns:p="http://schemas.openxmlformats.org/presentationml/2006/main">
+  <p:cSld>
+    <p:spTree>
+      <p:nvGrpSpPr>
+        <p:cNvPr id="1" name=""/>
+        <p:cNvGrpSpPr/>
+        <p:nvPr/>
+      </p:nvGrpSpPr>
+      <p:grpSpPr>
+        <a:xfrm>
+          <a:off x="0" y="0"/>
+          <a:ext cx="0" cy="0"/>
+          <a:chOff x="0" y="0"/>
+          <a:chExt cx="0" cy="0"/>
+        </a:xfrm>
+      </p:grpSpPr>
+      <p:sp>
+        <p:nvSpPr>
+          <p:cNvPr id="2" name="Title 1"/>
+          <p:cNvSpPr>
+            <a:spLocks noGrp="1"/>
+          </p:cNvSpPr>
+          <p:nvPr>
+            <p:ph type="title"/>
+          </p:nvPr>
+        </p:nvSpPr>
+        <p:spPr/>
+        <p:txBody>
+          <a:bodyPr/>
+          <a:lstStyle/>
+          <a:p>
+            <a:pPr algn="ctr"/>
+            <a:r>
+              <a:rPr lang="en-ZW" dirty="0"/>
               <a:t>Next </a:t>
             </a:r>
             <a:r>
@@ -20801,7 +21475,7 @@
 </p:sld>
 </file>
 
-<file path=ppt/slides/slide11.xml><?xml version="1.0" encoding="utf-8"?>
+<file path=ppt/slides/slide15.xml><?xml version="1.0" encoding="utf-8"?>
 <p:sld xmlns:a="http://schemas.openxmlformats.org/drawingml/2006/main" xmlns:r="http://schemas.openxmlformats.org/officeDocument/2006/relationships" xmlns:p="http://schemas.openxmlformats.org/presentationml/2006/main">
   <p:cSld>
     <p:spTree>
@@ -20919,7 +21593,7 @@
 </p:sld>
 </file>
 
-<file path=ppt/slides/slide12.xml><?xml version="1.0" encoding="utf-8"?>
+<file path=ppt/slides/slide16.xml><?xml version="1.0" encoding="utf-8"?>
 <p:sld xmlns:a="http://schemas.openxmlformats.org/drawingml/2006/main" xmlns:r="http://schemas.openxmlformats.org/officeDocument/2006/relationships" xmlns:p="http://schemas.openxmlformats.org/presentationml/2006/main">
   <p:cSld>
     <p:spTree>
@@ -21036,7 +21710,7 @@
 </p:sld>
 </file>
 
-<file path=ppt/slides/slide13.xml><?xml version="1.0" encoding="utf-8"?>
+<file path=ppt/slides/slide17.xml><?xml version="1.0" encoding="utf-8"?>
 <p:sld xmlns:a="http://schemas.openxmlformats.org/drawingml/2006/main" xmlns:r="http://schemas.openxmlformats.org/officeDocument/2006/relationships" xmlns:p="http://schemas.openxmlformats.org/presentationml/2006/main">
   <p:cSld>
     <p:spTree>
@@ -21164,7 +21838,7 @@
 </p:sld>
 </file>
 
-<file path=ppt/slides/slide14.xml><?xml version="1.0" encoding="utf-8"?>
+<file path=ppt/slides/slide18.xml><?xml version="1.0" encoding="utf-8"?>
 <p:sld xmlns:a="http://schemas.openxmlformats.org/drawingml/2006/main" xmlns:r="http://schemas.openxmlformats.org/officeDocument/2006/relationships" xmlns:p="http://schemas.openxmlformats.org/presentationml/2006/main">
   <p:cSld>
     <p:spTree>
@@ -21268,7 +21942,7 @@
 </p:sld>
 </file>
 
-<file path=ppt/slides/slide15.xml><?xml version="1.0" encoding="utf-8"?>
+<file path=ppt/slides/slide19.xml><?xml version="1.0" encoding="utf-8"?>
 <p:sld xmlns:a="http://schemas.openxmlformats.org/drawingml/2006/main" xmlns:r="http://schemas.openxmlformats.org/officeDocument/2006/relationships" xmlns:p="http://schemas.openxmlformats.org/presentationml/2006/main">
   <p:cSld>
     <p:spTree>
@@ -21369,107 +22043,6 @@
   <p:clrMapOvr>
     <a:masterClrMapping/>
   </p:clrMapOvr>
-</p:sld>
-</file>
-
-<file path=ppt/slides/slide16.xml><?xml version="1.0" encoding="utf-8"?>
-<p:sld xmlns:a="http://schemas.openxmlformats.org/drawingml/2006/main" xmlns:r="http://schemas.openxmlformats.org/officeDocument/2006/relationships" xmlns:p="http://schemas.openxmlformats.org/presentationml/2006/main">
-  <p:cSld>
-    <p:spTree>
-      <p:nvGrpSpPr>
-        <p:cNvPr id="1" name=""/>
-        <p:cNvGrpSpPr/>
-        <p:nvPr/>
-      </p:nvGrpSpPr>
-      <p:grpSpPr>
-        <a:xfrm>
-          <a:off x="0" y="0"/>
-          <a:ext cx="0" cy="0"/>
-          <a:chOff x="0" y="0"/>
-          <a:chExt cx="0" cy="0"/>
-        </a:xfrm>
-      </p:grpSpPr>
-      <p:sp>
-        <p:nvSpPr>
-          <p:cNvPr id="2" name="Title 1"/>
-          <p:cNvSpPr>
-            <a:spLocks noGrp="1"/>
-          </p:cNvSpPr>
-          <p:nvPr>
-            <p:ph type="title"/>
-          </p:nvPr>
-        </p:nvSpPr>
-        <p:spPr/>
-        <p:txBody>
-          <a:bodyPr/>
-          <a:lstStyle/>
-          <a:p>
-            <a:pPr algn="ctr"/>
-            <a:r>
-              <a:rPr lang="en-ZW" dirty="0" smtClean="0"/>
-              <a:t>THE END</a:t>
-            </a:r>
-            <a:endParaRPr lang="en-ZW" dirty="0"/>
-          </a:p>
-        </p:txBody>
-      </p:sp>
-      <p:sp>
-        <p:nvSpPr>
-          <p:cNvPr id="3" name="Content Placeholder 2"/>
-          <p:cNvSpPr>
-            <a:spLocks noGrp="1"/>
-          </p:cNvSpPr>
-          <p:nvPr>
-            <p:ph idx="1"/>
-          </p:nvPr>
-        </p:nvSpPr>
-        <p:spPr/>
-        <p:txBody>
-          <a:bodyPr/>
-          <a:lstStyle/>
-          <a:p>
-            <a:pPr algn="ctr"/>
-            <a:endParaRPr lang="en-ZW" dirty="0" smtClean="0"/>
-          </a:p>
-          <a:p>
-            <a:pPr algn="ctr"/>
-            <a:endParaRPr lang="en-ZW" dirty="0"/>
-          </a:p>
-          <a:p>
-            <a:pPr algn="ctr"/>
-            <a:endParaRPr lang="en-ZW" dirty="0" smtClean="0"/>
-          </a:p>
-          <a:p>
-            <a:pPr algn="ctr"/>
-            <a:endParaRPr lang="en-ZW" dirty="0"/>
-          </a:p>
-          <a:p>
-            <a:pPr algn="ctr"/>
-            <a:r>
-              <a:rPr lang="en-ZW" dirty="0" smtClean="0"/>
-              <a:t>THANK YOU</a:t>
-            </a:r>
-            <a:endParaRPr lang="en-ZW" dirty="0"/>
-          </a:p>
-        </p:txBody>
-      </p:sp>
-    </p:spTree>
-    <p:extLst>
-      <p:ext uri="{BB962C8B-B14F-4D97-AF65-F5344CB8AC3E}">
-        <p14:creationId xmlns:p14="http://schemas.microsoft.com/office/powerpoint/2010/main" val="3522899467"/>
-      </p:ext>
-    </p:extLst>
-  </p:cSld>
-  <p:clrMapOvr>
-    <a:masterClrMapping/>
-  </p:clrMapOvr>
-  <p:timing>
-    <p:tnLst>
-      <p:par>
-        <p:cTn id="1" dur="indefinite" restart="never" nodeType="tmRoot"/>
-      </p:par>
-    </p:tnLst>
-  </p:timing>
 </p:sld>
 </file>
 
@@ -21656,6 +22229,107 @@
     <p:extLst>
       <p:ext uri="{BB962C8B-B14F-4D97-AF65-F5344CB8AC3E}">
         <p14:creationId xmlns:p14="http://schemas.microsoft.com/office/powerpoint/2010/main" val="2682706171"/>
+      </p:ext>
+    </p:extLst>
+  </p:cSld>
+  <p:clrMapOvr>
+    <a:masterClrMapping/>
+  </p:clrMapOvr>
+  <p:timing>
+    <p:tnLst>
+      <p:par>
+        <p:cTn id="1" dur="indefinite" restart="never" nodeType="tmRoot"/>
+      </p:par>
+    </p:tnLst>
+  </p:timing>
+</p:sld>
+</file>
+
+<file path=ppt/slides/slide20.xml><?xml version="1.0" encoding="utf-8"?>
+<p:sld xmlns:a="http://schemas.openxmlformats.org/drawingml/2006/main" xmlns:r="http://schemas.openxmlformats.org/officeDocument/2006/relationships" xmlns:p="http://schemas.openxmlformats.org/presentationml/2006/main">
+  <p:cSld>
+    <p:spTree>
+      <p:nvGrpSpPr>
+        <p:cNvPr id="1" name=""/>
+        <p:cNvGrpSpPr/>
+        <p:nvPr/>
+      </p:nvGrpSpPr>
+      <p:grpSpPr>
+        <a:xfrm>
+          <a:off x="0" y="0"/>
+          <a:ext cx="0" cy="0"/>
+          <a:chOff x="0" y="0"/>
+          <a:chExt cx="0" cy="0"/>
+        </a:xfrm>
+      </p:grpSpPr>
+      <p:sp>
+        <p:nvSpPr>
+          <p:cNvPr id="2" name="Title 1"/>
+          <p:cNvSpPr>
+            <a:spLocks noGrp="1"/>
+          </p:cNvSpPr>
+          <p:nvPr>
+            <p:ph type="title"/>
+          </p:nvPr>
+        </p:nvSpPr>
+        <p:spPr/>
+        <p:txBody>
+          <a:bodyPr/>
+          <a:lstStyle/>
+          <a:p>
+            <a:pPr algn="ctr"/>
+            <a:r>
+              <a:rPr lang="en-ZW" dirty="0" smtClean="0"/>
+              <a:t>THE END</a:t>
+            </a:r>
+            <a:endParaRPr lang="en-ZW" dirty="0"/>
+          </a:p>
+        </p:txBody>
+      </p:sp>
+      <p:sp>
+        <p:nvSpPr>
+          <p:cNvPr id="3" name="Content Placeholder 2"/>
+          <p:cNvSpPr>
+            <a:spLocks noGrp="1"/>
+          </p:cNvSpPr>
+          <p:nvPr>
+            <p:ph idx="1"/>
+          </p:nvPr>
+        </p:nvSpPr>
+        <p:spPr/>
+        <p:txBody>
+          <a:bodyPr/>
+          <a:lstStyle/>
+          <a:p>
+            <a:pPr algn="ctr"/>
+            <a:endParaRPr lang="en-ZW" dirty="0" smtClean="0"/>
+          </a:p>
+          <a:p>
+            <a:pPr algn="ctr"/>
+            <a:endParaRPr lang="en-ZW" dirty="0"/>
+          </a:p>
+          <a:p>
+            <a:pPr algn="ctr"/>
+            <a:endParaRPr lang="en-ZW" dirty="0" smtClean="0"/>
+          </a:p>
+          <a:p>
+            <a:pPr algn="ctr"/>
+            <a:endParaRPr lang="en-ZW" dirty="0"/>
+          </a:p>
+          <a:p>
+            <a:pPr algn="ctr"/>
+            <a:r>
+              <a:rPr lang="en-ZW" dirty="0" smtClean="0"/>
+              <a:t>THANK YOU</a:t>
+            </a:r>
+            <a:endParaRPr lang="en-ZW" dirty="0"/>
+          </a:p>
+        </p:txBody>
+      </p:sp>
+    </p:spTree>
+    <p:extLst>
+      <p:ext uri="{BB962C8B-B14F-4D97-AF65-F5344CB8AC3E}">
+        <p14:creationId xmlns:p14="http://schemas.microsoft.com/office/powerpoint/2010/main" val="3522899467"/>
       </p:ext>
     </p:extLst>
   </p:cSld>
@@ -22188,6 +22862,342 @@
           <a:p>
             <a:pPr algn="ctr"/>
             <a:r>
+              <a:rPr lang="en-US" dirty="0" smtClean="0"/>
+              <a:t>Data warehouse schema - star</a:t>
+            </a:r>
+            <a:endParaRPr lang="en-ZW" dirty="0"/>
+          </a:p>
+        </p:txBody>
+      </p:sp>
+      <p:pic>
+        <p:nvPicPr>
+          <p:cNvPr id="4" name="Content Placeholder 3"/>
+          <p:cNvPicPr>
+            <a:picLocks noGrp="1" noChangeAspect="1"/>
+          </p:cNvPicPr>
+          <p:nvPr>
+            <p:ph idx="1"/>
+          </p:nvPr>
+        </p:nvPicPr>
+        <p:blipFill>
+          <a:blip r:embed="rId2"/>
+          <a:stretch>
+            <a:fillRect/>
+          </a:stretch>
+        </p:blipFill>
+        <p:spPr>
+          <a:xfrm>
+            <a:off x="1167000" y="2286000"/>
+            <a:ext cx="3962784" cy="4169664"/>
+          </a:xfrm>
+          <a:prstGeom prst="rect">
+            <a:avLst/>
+          </a:prstGeom>
+        </p:spPr>
+      </p:pic>
+      <p:pic>
+        <p:nvPicPr>
+          <p:cNvPr id="5" name="Picture 4"/>
+          <p:cNvPicPr>
+            <a:picLocks noChangeAspect="1"/>
+          </p:cNvPicPr>
+          <p:nvPr/>
+        </p:nvPicPr>
+        <p:blipFill>
+          <a:blip r:embed="rId3"/>
+          <a:stretch>
+            <a:fillRect/>
+          </a:stretch>
+        </p:blipFill>
+        <p:spPr>
+          <a:xfrm>
+            <a:off x="5701725" y="2286001"/>
+            <a:ext cx="4126404" cy="1929384"/>
+          </a:xfrm>
+          <a:prstGeom prst="rect">
+            <a:avLst/>
+          </a:prstGeom>
+        </p:spPr>
+      </p:pic>
+      <p:pic>
+        <p:nvPicPr>
+          <p:cNvPr id="6" name="Picture 5"/>
+          <p:cNvPicPr>
+            <a:picLocks noChangeAspect="1"/>
+          </p:cNvPicPr>
+          <p:nvPr/>
+        </p:nvPicPr>
+        <p:blipFill>
+          <a:blip r:embed="rId4"/>
+          <a:stretch>
+            <a:fillRect/>
+          </a:stretch>
+        </p:blipFill>
+        <p:spPr>
+          <a:xfrm>
+            <a:off x="5701724" y="4297362"/>
+            <a:ext cx="4126404" cy="2076006"/>
+          </a:xfrm>
+          <a:prstGeom prst="rect">
+            <a:avLst/>
+          </a:prstGeom>
+        </p:spPr>
+      </p:pic>
+    </p:spTree>
+    <p:extLst>
+      <p:ext uri="{BB962C8B-B14F-4D97-AF65-F5344CB8AC3E}">
+        <p14:creationId xmlns:p14="http://schemas.microsoft.com/office/powerpoint/2010/main" val="991495697"/>
+      </p:ext>
+    </p:extLst>
+  </p:cSld>
+  <p:clrMapOvr>
+    <a:masterClrMapping/>
+  </p:clrMapOvr>
+</p:sld>
+</file>
+
+<file path=ppt/slides/slide7.xml><?xml version="1.0" encoding="utf-8"?>
+<p:sld xmlns:a="http://schemas.openxmlformats.org/drawingml/2006/main" xmlns:r="http://schemas.openxmlformats.org/officeDocument/2006/relationships" xmlns:p="http://schemas.openxmlformats.org/presentationml/2006/main">
+  <p:cSld>
+    <p:spTree>
+      <p:nvGrpSpPr>
+        <p:cNvPr id="1" name=""/>
+        <p:cNvGrpSpPr/>
+        <p:nvPr/>
+      </p:nvGrpSpPr>
+      <p:grpSpPr>
+        <a:xfrm>
+          <a:off x="0" y="0"/>
+          <a:ext cx="0" cy="0"/>
+          <a:chOff x="0" y="0"/>
+          <a:chExt cx="0" cy="0"/>
+        </a:xfrm>
+      </p:grpSpPr>
+      <p:sp>
+        <p:nvSpPr>
+          <p:cNvPr id="2" name="Title 1"/>
+          <p:cNvSpPr>
+            <a:spLocks noGrp="1"/>
+          </p:cNvSpPr>
+          <p:nvPr>
+            <p:ph type="title"/>
+          </p:nvPr>
+        </p:nvSpPr>
+        <p:spPr/>
+        <p:txBody>
+          <a:bodyPr/>
+          <a:lstStyle/>
+          <a:p>
+            <a:pPr algn="ctr"/>
+            <a:r>
+              <a:rPr lang="en-US" dirty="0" smtClean="0"/>
+              <a:t>Etl &amp; pipeline diagrams</a:t>
+            </a:r>
+            <a:endParaRPr lang="en-ZW" dirty="0"/>
+          </a:p>
+        </p:txBody>
+      </p:sp>
+      <p:pic>
+        <p:nvPicPr>
+          <p:cNvPr id="4" name="Content Placeholder 3"/>
+          <p:cNvPicPr>
+            <a:picLocks noGrp="1" noChangeAspect="1"/>
+          </p:cNvPicPr>
+          <p:nvPr>
+            <p:ph idx="1"/>
+          </p:nvPr>
+        </p:nvPicPr>
+        <p:blipFill>
+          <a:blip r:embed="rId2"/>
+          <a:stretch>
+            <a:fillRect/>
+          </a:stretch>
+        </p:blipFill>
+        <p:spPr>
+          <a:xfrm>
+            <a:off x="1092487" y="2231136"/>
+            <a:ext cx="2816604" cy="4022725"/>
+          </a:xfrm>
+          <a:prstGeom prst="rect">
+            <a:avLst/>
+          </a:prstGeom>
+        </p:spPr>
+      </p:pic>
+      <p:pic>
+        <p:nvPicPr>
+          <p:cNvPr id="5" name="Picture 4"/>
+          <p:cNvPicPr>
+            <a:picLocks noChangeAspect="1"/>
+          </p:cNvPicPr>
+          <p:nvPr/>
+        </p:nvPicPr>
+        <p:blipFill>
+          <a:blip r:embed="rId3"/>
+          <a:stretch>
+            <a:fillRect/>
+          </a:stretch>
+        </p:blipFill>
+        <p:spPr>
+          <a:xfrm>
+            <a:off x="5033272" y="2231136"/>
+            <a:ext cx="4429743" cy="4022725"/>
+          </a:xfrm>
+          <a:prstGeom prst="rect">
+            <a:avLst/>
+          </a:prstGeom>
+        </p:spPr>
+      </p:pic>
+    </p:spTree>
+    <p:extLst>
+      <p:ext uri="{BB962C8B-B14F-4D97-AF65-F5344CB8AC3E}">
+        <p14:creationId xmlns:p14="http://schemas.microsoft.com/office/powerpoint/2010/main" val="3783998978"/>
+      </p:ext>
+    </p:extLst>
+  </p:cSld>
+  <p:clrMapOvr>
+    <a:masterClrMapping/>
+  </p:clrMapOvr>
+</p:sld>
+</file>
+
+<file path=ppt/slides/slide8.xml><?xml version="1.0" encoding="utf-8"?>
+<p:sld xmlns:a="http://schemas.openxmlformats.org/drawingml/2006/main" xmlns:r="http://schemas.openxmlformats.org/officeDocument/2006/relationships" xmlns:p="http://schemas.openxmlformats.org/presentationml/2006/main">
+  <p:cSld>
+    <p:spTree>
+      <p:nvGrpSpPr>
+        <p:cNvPr id="1" name=""/>
+        <p:cNvGrpSpPr/>
+        <p:nvPr/>
+      </p:nvGrpSpPr>
+      <p:grpSpPr>
+        <a:xfrm>
+          <a:off x="0" y="0"/>
+          <a:ext cx="0" cy="0"/>
+          <a:chOff x="0" y="0"/>
+          <a:chExt cx="0" cy="0"/>
+        </a:xfrm>
+      </p:grpSpPr>
+      <p:sp>
+        <p:nvSpPr>
+          <p:cNvPr id="2" name="Title 1"/>
+          <p:cNvSpPr>
+            <a:spLocks noGrp="1"/>
+          </p:cNvSpPr>
+          <p:nvPr>
+            <p:ph type="title"/>
+          </p:nvPr>
+        </p:nvSpPr>
+        <p:spPr/>
+        <p:txBody>
+          <a:bodyPr/>
+          <a:lstStyle/>
+          <a:p>
+            <a:pPr algn="ctr"/>
+            <a:r>
+              <a:rPr lang="en-US" dirty="0" smtClean="0"/>
+              <a:t>Data integration and etl process</a:t>
+            </a:r>
+            <a:endParaRPr lang="en-ZW" dirty="0"/>
+          </a:p>
+        </p:txBody>
+      </p:sp>
+      <p:pic>
+        <p:nvPicPr>
+          <p:cNvPr id="4" name="Content Placeholder 3"/>
+          <p:cNvPicPr>
+            <a:picLocks noGrp="1" noChangeAspect="1"/>
+          </p:cNvPicPr>
+          <p:nvPr>
+            <p:ph idx="1"/>
+          </p:nvPr>
+        </p:nvPicPr>
+        <p:blipFill>
+          <a:blip r:embed="rId2"/>
+          <a:stretch>
+            <a:fillRect/>
+          </a:stretch>
+        </p:blipFill>
+        <p:spPr>
+          <a:xfrm>
+            <a:off x="1024128" y="2240280"/>
+            <a:ext cx="4581144" cy="4032504"/>
+          </a:xfrm>
+          <a:prstGeom prst="rect">
+            <a:avLst/>
+          </a:prstGeom>
+        </p:spPr>
+      </p:pic>
+      <p:pic>
+        <p:nvPicPr>
+          <p:cNvPr id="5" name="Picture 4"/>
+          <p:cNvPicPr>
+            <a:picLocks noChangeAspect="1"/>
+          </p:cNvPicPr>
+          <p:nvPr/>
+        </p:nvPicPr>
+        <p:blipFill>
+          <a:blip r:embed="rId3"/>
+          <a:stretch>
+            <a:fillRect/>
+          </a:stretch>
+        </p:blipFill>
+        <p:spPr>
+          <a:xfrm>
+            <a:off x="6029140" y="2240280"/>
+            <a:ext cx="4321868" cy="4032504"/>
+          </a:xfrm>
+          <a:prstGeom prst="rect">
+            <a:avLst/>
+          </a:prstGeom>
+        </p:spPr>
+      </p:pic>
+    </p:spTree>
+    <p:extLst>
+      <p:ext uri="{BB962C8B-B14F-4D97-AF65-F5344CB8AC3E}">
+        <p14:creationId xmlns:p14="http://schemas.microsoft.com/office/powerpoint/2010/main" val="697637077"/>
+      </p:ext>
+    </p:extLst>
+  </p:cSld>
+  <p:clrMapOvr>
+    <a:masterClrMapping/>
+  </p:clrMapOvr>
+</p:sld>
+</file>
+
+<file path=ppt/slides/slide9.xml><?xml version="1.0" encoding="utf-8"?>
+<p:sld xmlns:a="http://schemas.openxmlformats.org/drawingml/2006/main" xmlns:r="http://schemas.openxmlformats.org/officeDocument/2006/relationships" xmlns:p="http://schemas.openxmlformats.org/presentationml/2006/main">
+  <p:cSld>
+    <p:spTree>
+      <p:nvGrpSpPr>
+        <p:cNvPr id="1" name=""/>
+        <p:cNvGrpSpPr/>
+        <p:nvPr/>
+      </p:nvGrpSpPr>
+      <p:grpSpPr>
+        <a:xfrm>
+          <a:off x="0" y="0"/>
+          <a:ext cx="0" cy="0"/>
+          <a:chOff x="0" y="0"/>
+          <a:chExt cx="0" cy="0"/>
+        </a:xfrm>
+      </p:grpSpPr>
+      <p:sp>
+        <p:nvSpPr>
+          <p:cNvPr id="2" name="Title 1"/>
+          <p:cNvSpPr>
+            <a:spLocks noGrp="1"/>
+          </p:cNvSpPr>
+          <p:nvPr>
+            <p:ph type="title"/>
+          </p:nvPr>
+        </p:nvSpPr>
+        <p:spPr/>
+        <p:txBody>
+          <a:bodyPr/>
+          <a:lstStyle/>
+          <a:p>
+            <a:pPr algn="ctr"/>
+            <a:r>
               <a:rPr lang="en-ZW" dirty="0" smtClean="0"/>
               <a:t>Data Governance</a:t>
             </a:r>
@@ -22205,7 +23215,12 @@
             <p:ph idx="1"/>
           </p:nvPr>
         </p:nvSpPr>
-        <p:spPr/>
+        <p:spPr>
+          <a:xfrm>
+            <a:off x="1024129" y="2286000"/>
+            <a:ext cx="5715000" cy="4023360"/>
+          </a:xfrm>
+        </p:spPr>
         <p:txBody>
           <a:bodyPr/>
           <a:lstStyle/>
@@ -22252,464 +23267,34 @@
           </a:p>
         </p:txBody>
       </p:sp>
+      <p:pic>
+        <p:nvPicPr>
+          <p:cNvPr id="4" name="Picture 3"/>
+          <p:cNvPicPr>
+            <a:picLocks noChangeAspect="1"/>
+          </p:cNvPicPr>
+          <p:nvPr/>
+        </p:nvPicPr>
+        <p:blipFill>
+          <a:blip r:embed="rId2"/>
+          <a:stretch>
+            <a:fillRect/>
+          </a:stretch>
+        </p:blipFill>
+        <p:spPr>
+          <a:xfrm>
+            <a:off x="6739129" y="2084832"/>
+            <a:ext cx="5120639" cy="3077004"/>
+          </a:xfrm>
+          <a:prstGeom prst="rect">
+            <a:avLst/>
+          </a:prstGeom>
+        </p:spPr>
+      </p:pic>
     </p:spTree>
     <p:extLst>
       <p:ext uri="{BB962C8B-B14F-4D97-AF65-F5344CB8AC3E}">
         <p14:creationId xmlns:p14="http://schemas.microsoft.com/office/powerpoint/2010/main" val="349690613"/>
-      </p:ext>
-    </p:extLst>
-  </p:cSld>
-  <p:clrMapOvr>
-    <a:masterClrMapping/>
-  </p:clrMapOvr>
-  <p:timing>
-    <p:tnLst>
-      <p:par>
-        <p:cTn id="1" dur="indefinite" restart="never" nodeType="tmRoot"/>
-      </p:par>
-    </p:tnLst>
-  </p:timing>
-</p:sld>
-</file>
-
-<file path=ppt/slides/slide7.xml><?xml version="1.0" encoding="utf-8"?>
-<p:sld xmlns:a="http://schemas.openxmlformats.org/drawingml/2006/main" xmlns:r="http://schemas.openxmlformats.org/officeDocument/2006/relationships" xmlns:p="http://schemas.openxmlformats.org/presentationml/2006/main">
-  <p:cSld>
-    <p:spTree>
-      <p:nvGrpSpPr>
-        <p:cNvPr id="1" name=""/>
-        <p:cNvGrpSpPr/>
-        <p:nvPr/>
-      </p:nvGrpSpPr>
-      <p:grpSpPr>
-        <a:xfrm>
-          <a:off x="0" y="0"/>
-          <a:ext cx="0" cy="0"/>
-          <a:chOff x="0" y="0"/>
-          <a:chExt cx="0" cy="0"/>
-        </a:xfrm>
-      </p:grpSpPr>
-      <p:sp>
-        <p:nvSpPr>
-          <p:cNvPr id="2" name="Title 1"/>
-          <p:cNvSpPr>
-            <a:spLocks noGrp="1"/>
-          </p:cNvSpPr>
-          <p:nvPr>
-            <p:ph type="title"/>
-          </p:nvPr>
-        </p:nvSpPr>
-        <p:spPr/>
-        <p:txBody>
-          <a:bodyPr/>
-          <a:lstStyle/>
-          <a:p>
-            <a:pPr algn="ctr"/>
-            <a:r>
-              <a:rPr lang="en-ZW" dirty="0"/>
-              <a:t>Data Quality </a:t>
-            </a:r>
-            <a:r>
-              <a:rPr lang="en-ZW" dirty="0" smtClean="0"/>
-              <a:t>Control</a:t>
-            </a:r>
-            <a:endParaRPr lang="en-ZW" dirty="0"/>
-          </a:p>
-        </p:txBody>
-      </p:sp>
-      <p:sp>
-        <p:nvSpPr>
-          <p:cNvPr id="3" name="Content Placeholder 2"/>
-          <p:cNvSpPr>
-            <a:spLocks noGrp="1"/>
-          </p:cNvSpPr>
-          <p:nvPr>
-            <p:ph idx="1"/>
-          </p:nvPr>
-        </p:nvSpPr>
-        <p:spPr/>
-        <p:txBody>
-          <a:bodyPr/>
-          <a:lstStyle/>
-          <a:p>
-            <a:pPr marL="457200" indent="-457200">
-              <a:buFont typeface="+mj-lt"/>
-              <a:buAutoNum type="arabicPeriod"/>
-            </a:pPr>
-            <a:r>
-              <a:rPr lang="en-ZW" dirty="0" smtClean="0"/>
-              <a:t>Schema validation on Kafka ingestion.</a:t>
-            </a:r>
-          </a:p>
-          <a:p>
-            <a:pPr marL="457200" indent="-457200">
-              <a:buFont typeface="+mj-lt"/>
-              <a:buAutoNum type="arabicPeriod"/>
-            </a:pPr>
-            <a:r>
-              <a:rPr lang="en-ZW" dirty="0" smtClean="0"/>
-              <a:t>Spark cleans and logs invalid records.</a:t>
-            </a:r>
-          </a:p>
-          <a:p>
-            <a:pPr marL="457200" indent="-457200">
-              <a:buFont typeface="+mj-lt"/>
-              <a:buAutoNum type="arabicPeriod"/>
-            </a:pPr>
-            <a:r>
-              <a:rPr lang="en-ZW" dirty="0" smtClean="0"/>
-              <a:t>Monitoring: </a:t>
-            </a:r>
-          </a:p>
-          <a:p>
-            <a:pPr marL="630936" lvl="1" indent="-457200">
-              <a:buFont typeface="Courier New" panose="02070309020205020404" pitchFamily="49" charset="0"/>
-              <a:buChar char="o"/>
-            </a:pPr>
-            <a:r>
-              <a:rPr lang="en-ZW" dirty="0" smtClean="0"/>
-              <a:t> Dropped messages .</a:t>
-            </a:r>
-          </a:p>
-          <a:p>
-            <a:pPr marL="630936" lvl="1" indent="-457200">
-              <a:buFont typeface="Courier New" panose="02070309020205020404" pitchFamily="49" charset="0"/>
-              <a:buChar char="o"/>
-            </a:pPr>
-            <a:r>
-              <a:rPr lang="en-ZW" dirty="0" smtClean="0"/>
-              <a:t> Fraud spikes.  </a:t>
-            </a:r>
-          </a:p>
-          <a:p>
-            <a:pPr marL="630936" lvl="1" indent="-457200">
-              <a:buFont typeface="Courier New" panose="02070309020205020404" pitchFamily="49" charset="0"/>
-              <a:buChar char="o"/>
-            </a:pPr>
-            <a:r>
-              <a:rPr lang="en-ZW" dirty="0" smtClean="0"/>
-              <a:t>Data inconsistencies.</a:t>
-            </a:r>
-          </a:p>
-          <a:p>
-            <a:pPr marL="457200" indent="-457200">
-              <a:buFont typeface="+mj-lt"/>
-              <a:buAutoNum type="arabicPeriod"/>
-            </a:pPr>
-            <a:r>
-              <a:rPr lang="en-ZW" dirty="0" smtClean="0"/>
-              <a:t>Alerts via Grafana thresholds.</a:t>
-            </a:r>
-            <a:endParaRPr lang="en-ZW" dirty="0"/>
-          </a:p>
-        </p:txBody>
-      </p:sp>
-    </p:spTree>
-    <p:extLst>
-      <p:ext uri="{BB962C8B-B14F-4D97-AF65-F5344CB8AC3E}">
-        <p14:creationId xmlns:p14="http://schemas.microsoft.com/office/powerpoint/2010/main" val="2966092230"/>
-      </p:ext>
-    </p:extLst>
-  </p:cSld>
-  <p:clrMapOvr>
-    <a:masterClrMapping/>
-  </p:clrMapOvr>
-  <p:timing>
-    <p:tnLst>
-      <p:par>
-        <p:cTn id="1" dur="indefinite" restart="never" nodeType="tmRoot"/>
-      </p:par>
-    </p:tnLst>
-  </p:timing>
-</p:sld>
-</file>
-
-<file path=ppt/slides/slide8.xml><?xml version="1.0" encoding="utf-8"?>
-<p:sld xmlns:a="http://schemas.openxmlformats.org/drawingml/2006/main" xmlns:r="http://schemas.openxmlformats.org/officeDocument/2006/relationships" xmlns:p="http://schemas.openxmlformats.org/presentationml/2006/main">
-  <p:cSld>
-    <p:spTree>
-      <p:nvGrpSpPr>
-        <p:cNvPr id="1" name=""/>
-        <p:cNvGrpSpPr/>
-        <p:nvPr/>
-      </p:nvGrpSpPr>
-      <p:grpSpPr>
-        <a:xfrm>
-          <a:off x="0" y="0"/>
-          <a:ext cx="0" cy="0"/>
-          <a:chOff x="0" y="0"/>
-          <a:chExt cx="0" cy="0"/>
-        </a:xfrm>
-      </p:grpSpPr>
-      <p:sp>
-        <p:nvSpPr>
-          <p:cNvPr id="2" name="Title 1"/>
-          <p:cNvSpPr>
-            <a:spLocks noGrp="1"/>
-          </p:cNvSpPr>
-          <p:nvPr>
-            <p:ph type="title"/>
-          </p:nvPr>
-        </p:nvSpPr>
-        <p:spPr/>
-        <p:txBody>
-          <a:bodyPr/>
-          <a:lstStyle/>
-          <a:p>
-            <a:pPr algn="ctr"/>
-            <a:r>
-              <a:rPr lang="en-US" dirty="0"/>
-              <a:t>Dashboards &amp; </a:t>
-            </a:r>
-            <a:r>
-              <a:rPr lang="en-US" dirty="0" smtClean="0"/>
-              <a:t>Monitoring</a:t>
-            </a:r>
-            <a:endParaRPr lang="en-ZW" dirty="0"/>
-          </a:p>
-        </p:txBody>
-      </p:sp>
-      <p:sp>
-        <p:nvSpPr>
-          <p:cNvPr id="3" name="Content Placeholder 2"/>
-          <p:cNvSpPr>
-            <a:spLocks noGrp="1"/>
-          </p:cNvSpPr>
-          <p:nvPr>
-            <p:ph idx="1"/>
-          </p:nvPr>
-        </p:nvSpPr>
-        <p:spPr/>
-        <p:txBody>
-          <a:bodyPr>
-            <a:normAutofit/>
-          </a:bodyPr>
-          <a:lstStyle/>
-          <a:p>
-            <a:pPr marL="457200" indent="-457200">
-              <a:buFont typeface="+mj-lt"/>
-              <a:buAutoNum type="arabicPeriod"/>
-            </a:pPr>
-            <a:r>
-              <a:rPr lang="en-US" b="1" dirty="0" smtClean="0"/>
-              <a:t>Power BI: </a:t>
-            </a:r>
-          </a:p>
-          <a:p>
-            <a:pPr lvl="1">
-              <a:buFont typeface="Courier New" panose="02070309020205020404" pitchFamily="49" charset="0"/>
-              <a:buChar char="o"/>
-            </a:pPr>
-            <a:r>
-              <a:rPr lang="en-US" dirty="0" smtClean="0"/>
-              <a:t>Real-time credit risk insights.</a:t>
-            </a:r>
-          </a:p>
-          <a:p>
-            <a:pPr lvl="1">
-              <a:buFont typeface="Courier New" panose="02070309020205020404" pitchFamily="49" charset="0"/>
-              <a:buChar char="o"/>
-            </a:pPr>
-            <a:r>
-              <a:rPr lang="en-US" dirty="0" smtClean="0"/>
-              <a:t>fraud distribution.</a:t>
-            </a:r>
-          </a:p>
-          <a:p>
-            <a:pPr lvl="1">
-              <a:buFont typeface="Courier New" panose="02070309020205020404" pitchFamily="49" charset="0"/>
-              <a:buChar char="o"/>
-            </a:pPr>
-            <a:r>
-              <a:rPr lang="en-US" dirty="0" smtClean="0"/>
-              <a:t>approval rates.</a:t>
-            </a:r>
-          </a:p>
-          <a:p>
-            <a:pPr marL="457200" indent="-457200">
-              <a:buFont typeface="+mj-lt"/>
-              <a:buAutoNum type="arabicPeriod"/>
-            </a:pPr>
-            <a:r>
-              <a:rPr lang="en-US" b="1" dirty="0" smtClean="0"/>
-              <a:t>Grafana: </a:t>
-            </a:r>
-          </a:p>
-          <a:p>
-            <a:pPr lvl="1">
-              <a:buFont typeface="Courier New" panose="02070309020205020404" pitchFamily="49" charset="0"/>
-              <a:buChar char="o"/>
-            </a:pPr>
-            <a:r>
-              <a:rPr lang="en-US" dirty="0" smtClean="0"/>
-              <a:t>Job health.</a:t>
-            </a:r>
-          </a:p>
-          <a:p>
-            <a:pPr lvl="1">
-              <a:buFont typeface="Courier New" panose="02070309020205020404" pitchFamily="49" charset="0"/>
-              <a:buChar char="o"/>
-            </a:pPr>
-            <a:r>
-              <a:rPr lang="en-US" dirty="0" smtClean="0"/>
-              <a:t>fraud volume.</a:t>
-            </a:r>
-          </a:p>
-          <a:p>
-            <a:pPr lvl="1">
-              <a:buFont typeface="Courier New" panose="02070309020205020404" pitchFamily="49" charset="0"/>
-              <a:buChar char="o"/>
-            </a:pPr>
-            <a:r>
-              <a:rPr lang="en-US" dirty="0" smtClean="0"/>
-              <a:t>message lag.</a:t>
-            </a:r>
-          </a:p>
-          <a:p>
-            <a:pPr marL="457200" indent="-457200">
-              <a:buFont typeface="+mj-lt"/>
-              <a:buAutoNum type="arabicPeriod"/>
-            </a:pPr>
-            <a:r>
-              <a:rPr lang="en-US" b="1" dirty="0" smtClean="0"/>
-              <a:t>Prometheus: </a:t>
-            </a:r>
-          </a:p>
-          <a:p>
-            <a:pPr lvl="1">
-              <a:buFont typeface="Courier New" panose="02070309020205020404" pitchFamily="49" charset="0"/>
-              <a:buChar char="o"/>
-            </a:pPr>
-            <a:r>
-              <a:rPr lang="en-US" dirty="0" smtClean="0"/>
-              <a:t>Monitors all processing pipelines.</a:t>
-            </a:r>
-            <a:endParaRPr lang="en-ZW" dirty="0"/>
-          </a:p>
-        </p:txBody>
-      </p:sp>
-    </p:spTree>
-    <p:extLst>
-      <p:ext uri="{BB962C8B-B14F-4D97-AF65-F5344CB8AC3E}">
-        <p14:creationId xmlns:p14="http://schemas.microsoft.com/office/powerpoint/2010/main" val="1331506039"/>
-      </p:ext>
-    </p:extLst>
-  </p:cSld>
-  <p:clrMapOvr>
-    <a:masterClrMapping/>
-  </p:clrMapOvr>
-  <p:timing>
-    <p:tnLst>
-      <p:par>
-        <p:cTn id="1" dur="indefinite" restart="never" nodeType="tmRoot"/>
-      </p:par>
-    </p:tnLst>
-  </p:timing>
-</p:sld>
-</file>
-
-<file path=ppt/slides/slide9.xml><?xml version="1.0" encoding="utf-8"?>
-<p:sld xmlns:a="http://schemas.openxmlformats.org/drawingml/2006/main" xmlns:r="http://schemas.openxmlformats.org/officeDocument/2006/relationships" xmlns:p="http://schemas.openxmlformats.org/presentationml/2006/main">
-  <p:cSld>
-    <p:spTree>
-      <p:nvGrpSpPr>
-        <p:cNvPr id="1" name=""/>
-        <p:cNvGrpSpPr/>
-        <p:nvPr/>
-      </p:nvGrpSpPr>
-      <p:grpSpPr>
-        <a:xfrm>
-          <a:off x="0" y="0"/>
-          <a:ext cx="0" cy="0"/>
-          <a:chOff x="0" y="0"/>
-          <a:chExt cx="0" cy="0"/>
-        </a:xfrm>
-      </p:grpSpPr>
-      <p:sp>
-        <p:nvSpPr>
-          <p:cNvPr id="2" name="Title 1"/>
-          <p:cNvSpPr>
-            <a:spLocks noGrp="1"/>
-          </p:cNvSpPr>
-          <p:nvPr>
-            <p:ph type="title"/>
-          </p:nvPr>
-        </p:nvSpPr>
-        <p:spPr/>
-        <p:txBody>
-          <a:bodyPr/>
-          <a:lstStyle/>
-          <a:p>
-            <a:pPr algn="ctr"/>
-            <a:r>
-              <a:rPr lang="en-US" dirty="0"/>
-              <a:t>Business Outcomes</a:t>
-            </a:r>
-            <a:endParaRPr lang="en-ZW" dirty="0"/>
-          </a:p>
-        </p:txBody>
-      </p:sp>
-      <p:sp>
-        <p:nvSpPr>
-          <p:cNvPr id="3" name="Content Placeholder 2"/>
-          <p:cNvSpPr>
-            <a:spLocks noGrp="1"/>
-          </p:cNvSpPr>
-          <p:nvPr>
-            <p:ph idx="1"/>
-          </p:nvPr>
-        </p:nvSpPr>
-        <p:spPr/>
-        <p:txBody>
-          <a:bodyPr/>
-          <a:lstStyle/>
-          <a:p>
-            <a:pPr marL="457200" indent="-457200">
-              <a:buFont typeface="+mj-lt"/>
-              <a:buAutoNum type="arabicPeriod"/>
-            </a:pPr>
-            <a:r>
-              <a:rPr lang="en-US" dirty="0" smtClean="0"/>
-              <a:t>Faster loan decisions with automated credit scoring.</a:t>
-            </a:r>
-          </a:p>
-          <a:p>
-            <a:pPr marL="457200" indent="-457200">
-              <a:buFont typeface="+mj-lt"/>
-              <a:buAutoNum type="arabicPeriod"/>
-            </a:pPr>
-            <a:r>
-              <a:rPr lang="en-US" dirty="0" smtClean="0"/>
-              <a:t>Real-time fraud detection reduces financial risk.</a:t>
-            </a:r>
-          </a:p>
-          <a:p>
-            <a:pPr marL="457200" indent="-457200">
-              <a:buFont typeface="+mj-lt"/>
-              <a:buAutoNum type="arabicPeriod"/>
-            </a:pPr>
-            <a:r>
-              <a:rPr lang="en-US" dirty="0" smtClean="0"/>
-              <a:t>Scalable and modular data platform.</a:t>
-            </a:r>
-          </a:p>
-          <a:p>
-            <a:pPr marL="457200" indent="-457200">
-              <a:buFont typeface="+mj-lt"/>
-              <a:buAutoNum type="arabicPeriod"/>
-            </a:pPr>
-            <a:r>
-              <a:rPr lang="en-US" dirty="0" smtClean="0"/>
-              <a:t>Accurate, real-time reporting to key stakeholders.</a:t>
-            </a:r>
-            <a:endParaRPr lang="en-ZW" dirty="0"/>
-          </a:p>
-        </p:txBody>
-      </p:sp>
-    </p:spTree>
-    <p:extLst>
-      <p:ext uri="{BB962C8B-B14F-4D97-AF65-F5344CB8AC3E}">
-        <p14:creationId xmlns:p14="http://schemas.microsoft.com/office/powerpoint/2010/main" val="3909203786"/>
       </p:ext>
     </p:extLst>
   </p:cSld>
